--- a/1_Presentaciones/Sesion_2_Teoria.pptx
+++ b/1_Presentaciones/Sesion_2_Teoria.pptx
@@ -166,9 +166,38 @@
 <file path=ppt/revisionInfo.xml><?xml version="1.0" encoding="utf-8"?>
 <p1510:revInfo xmlns:a="http://schemas.openxmlformats.org/drawingml/2006/main" xmlns:r="http://schemas.openxmlformats.org/officeDocument/2006/relationships" xmlns:p1510="http://schemas.microsoft.com/office/powerpoint/2015/10/main">
   <p1510:revLst>
-    <p1510:client id="{C2DFB4AB-883C-4D1C-B915-E74D4B440A44}" v="1" dt="2021-11-02T16:13:05.043"/>
+    <p1510:client id="{1539AAE4-97A8-489E-A347-78819E85E291}" v="4" dt="2021-11-08T16:25:42.980"/>
   </p1510:revLst>
 </p1510:revInfo>
+</file>
+
+<file path=ppt/changesInfos/changesInfo1.xml><?xml version="1.0" encoding="utf-8"?>
+<pc:chgInfo xmlns:a="http://schemas.openxmlformats.org/drawingml/2006/main" xmlns:r="http://schemas.openxmlformats.org/officeDocument/2006/relationships" xmlns:ac="http://schemas.microsoft.com/office/drawing/2013/main/command" xmlns:pc="http://schemas.microsoft.com/office/powerpoint/2013/main/command">
+  <pc:docChgLst>
+    <pc:chgData name="Mikel Lumbreras" userId="e57255e2-e72e-47e1-86e5-705636f423c9" providerId="ADAL" clId="{1539AAE4-97A8-489E-A347-78819E85E291}"/>
+    <pc:docChg chg="modSld">
+      <pc:chgData name="Mikel Lumbreras" userId="e57255e2-e72e-47e1-86e5-705636f423c9" providerId="ADAL" clId="{1539AAE4-97A8-489E-A347-78819E85E291}" dt="2021-11-08T16:25:42.980" v="2"/>
+      <pc:docMkLst>
+        <pc:docMk/>
+      </pc:docMkLst>
+      <pc:sldChg chg="modSp">
+        <pc:chgData name="Mikel Lumbreras" userId="e57255e2-e72e-47e1-86e5-705636f423c9" providerId="ADAL" clId="{1539AAE4-97A8-489E-A347-78819E85E291}" dt="2021-11-08T16:25:42.980" v="2"/>
+        <pc:sldMkLst>
+          <pc:docMk/>
+          <pc:sldMk cId="3520228855" sldId="261"/>
+        </pc:sldMkLst>
+        <pc:graphicFrameChg chg="mod">
+          <ac:chgData name="Mikel Lumbreras" userId="e57255e2-e72e-47e1-86e5-705636f423c9" providerId="ADAL" clId="{1539AAE4-97A8-489E-A347-78819E85E291}" dt="2021-11-08T16:25:42.980" v="2"/>
+          <ac:graphicFrameMkLst>
+            <pc:docMk/>
+            <pc:sldMk cId="3520228855" sldId="261"/>
+            <ac:graphicFrameMk id="6" creationId="{3A62E472-57DE-45F4-89B6-E389A35DCDD4}"/>
+          </ac:graphicFrameMkLst>
+        </pc:graphicFrameChg>
+      </pc:sldChg>
+    </pc:docChg>
+  </pc:docChgLst>
+</pc:chgInfo>
 </file>
 
 <file path=ppt/diagrams/colors1.xml><?xml version="1.0" encoding="utf-8"?>
@@ -6279,7 +6308,7 @@
           <a:p>
             <a:fld id="{DA02E706-5774-43E1-A315-52C9AFBE5292}" type="datetimeFigureOut">
               <a:rPr lang="es-ES" smtClean="0"/>
-              <a:t>02/11/2021</a:t>
+              <a:t>08/11/2021</a:t>
             </a:fld>
             <a:endParaRPr lang="es-ES"/>
           </a:p>
@@ -6677,7 +6706,7 @@
           <a:p>
             <a:fld id="{71286E14-A21F-4247-87A1-6C001434B2E9}" type="datetimeFigureOut">
               <a:rPr lang="en-GB" smtClean="0"/>
-              <a:t>02/11/2021</a:t>
+              <a:t>08/11/2021</a:t>
             </a:fld>
             <a:endParaRPr lang="en-GB"/>
           </a:p>
@@ -6847,7 +6876,7 @@
           <a:p>
             <a:fld id="{71286E14-A21F-4247-87A1-6C001434B2E9}" type="datetimeFigureOut">
               <a:rPr lang="en-GB" smtClean="0"/>
-              <a:t>02/11/2021</a:t>
+              <a:t>08/11/2021</a:t>
             </a:fld>
             <a:endParaRPr lang="en-GB"/>
           </a:p>
@@ -7027,7 +7056,7 @@
           <a:p>
             <a:fld id="{71286E14-A21F-4247-87A1-6C001434B2E9}" type="datetimeFigureOut">
               <a:rPr lang="en-GB" smtClean="0"/>
-              <a:t>02/11/2021</a:t>
+              <a:t>08/11/2021</a:t>
             </a:fld>
             <a:endParaRPr lang="en-GB"/>
           </a:p>
@@ -8546,7 +8575,7 @@
           <a:p>
             <a:fld id="{4A42529D-B5B1-47E1-A19B-037CCFF42894}" type="datetimeFigureOut">
               <a:rPr lang="en-GB" smtClean="0"/>
-              <a:t>02/11/2021</a:t>
+              <a:t>08/11/2021</a:t>
             </a:fld>
             <a:endParaRPr lang="en-GB"/>
           </a:p>
@@ -8724,7 +8753,7 @@
           <a:p>
             <a:fld id="{71286E14-A21F-4247-87A1-6C001434B2E9}" type="datetimeFigureOut">
               <a:rPr lang="en-GB" smtClean="0"/>
-              <a:t>02/11/2021</a:t>
+              <a:t>08/11/2021</a:t>
             </a:fld>
             <a:endParaRPr lang="en-GB"/>
           </a:p>
@@ -9009,7 +9038,7 @@
           <a:p>
             <a:fld id="{4A42529D-B5B1-47E1-A19B-037CCFF42894}" type="datetimeFigureOut">
               <a:rPr lang="en-GB" smtClean="0"/>
-              <a:t>02/11/2021</a:t>
+              <a:t>08/11/2021</a:t>
             </a:fld>
             <a:endParaRPr lang="en-GB"/>
           </a:p>
@@ -9278,7 +9307,7 @@
           <a:p>
             <a:fld id="{4A42529D-B5B1-47E1-A19B-037CCFF42894}" type="datetimeFigureOut">
               <a:rPr lang="en-GB" smtClean="0"/>
-              <a:t>02/11/2021</a:t>
+              <a:t>08/11/2021</a:t>
             </a:fld>
             <a:endParaRPr lang="en-GB"/>
           </a:p>
@@ -9464,7 +9493,7 @@
           <a:p>
             <a:fld id="{4A42529D-B5B1-47E1-A19B-037CCFF42894}" type="datetimeFigureOut">
               <a:rPr lang="en-GB" smtClean="0"/>
-              <a:t>02/11/2021</a:t>
+              <a:t>08/11/2021</a:t>
             </a:fld>
             <a:endParaRPr lang="en-GB"/>
           </a:p>
@@ -9660,7 +9689,7 @@
           <a:p>
             <a:fld id="{4A42529D-B5B1-47E1-A19B-037CCFF42894}" type="datetimeFigureOut">
               <a:rPr lang="en-GB" smtClean="0"/>
-              <a:t>02/11/2021</a:t>
+              <a:t>08/11/2021</a:t>
             </a:fld>
             <a:endParaRPr lang="en-GB"/>
           </a:p>
@@ -9914,7 +9943,7 @@
           <a:p>
             <a:fld id="{71286E14-A21F-4247-87A1-6C001434B2E9}" type="datetimeFigureOut">
               <a:rPr lang="en-GB" smtClean="0"/>
-              <a:t>02/11/2021</a:t>
+              <a:t>08/11/2021</a:t>
             </a:fld>
             <a:endParaRPr lang="en-GB"/>
           </a:p>
@@ -10146,7 +10175,7 @@
           <a:p>
             <a:fld id="{71286E14-A21F-4247-87A1-6C001434B2E9}" type="datetimeFigureOut">
               <a:rPr lang="en-GB" smtClean="0"/>
-              <a:t>02/11/2021</a:t>
+              <a:t>08/11/2021</a:t>
             </a:fld>
             <a:endParaRPr lang="en-GB"/>
           </a:p>
@@ -10513,7 +10542,7 @@
           <a:p>
             <a:fld id="{71286E14-A21F-4247-87A1-6C001434B2E9}" type="datetimeFigureOut">
               <a:rPr lang="en-GB" smtClean="0"/>
-              <a:t>02/11/2021</a:t>
+              <a:t>08/11/2021</a:t>
             </a:fld>
             <a:endParaRPr lang="en-GB"/>
           </a:p>
@@ -10631,7 +10660,7 @@
           <a:p>
             <a:fld id="{71286E14-A21F-4247-87A1-6C001434B2E9}" type="datetimeFigureOut">
               <a:rPr lang="en-GB" smtClean="0"/>
-              <a:t>02/11/2021</a:t>
+              <a:t>08/11/2021</a:t>
             </a:fld>
             <a:endParaRPr lang="en-GB"/>
           </a:p>
@@ -10726,7 +10755,7 @@
           <a:p>
             <a:fld id="{71286E14-A21F-4247-87A1-6C001434B2E9}" type="datetimeFigureOut">
               <a:rPr lang="en-GB" smtClean="0"/>
-              <a:t>02/11/2021</a:t>
+              <a:t>08/11/2021</a:t>
             </a:fld>
             <a:endParaRPr lang="en-GB"/>
           </a:p>
@@ -11003,7 +11032,7 @@
           <a:p>
             <a:fld id="{71286E14-A21F-4247-87A1-6C001434B2E9}" type="datetimeFigureOut">
               <a:rPr lang="en-GB" smtClean="0"/>
-              <a:t>02/11/2021</a:t>
+              <a:t>08/11/2021</a:t>
             </a:fld>
             <a:endParaRPr lang="en-GB"/>
           </a:p>
@@ -11256,7 +11285,7 @@
           <a:p>
             <a:fld id="{71286E14-A21F-4247-87A1-6C001434B2E9}" type="datetimeFigureOut">
               <a:rPr lang="en-GB" smtClean="0"/>
-              <a:t>02/11/2021</a:t>
+              <a:t>08/11/2021</a:t>
             </a:fld>
             <a:endParaRPr lang="en-GB"/>
           </a:p>
@@ -11469,7 +11498,7 @@
           <a:p>
             <a:fld id="{71286E14-A21F-4247-87A1-6C001434B2E9}" type="datetimeFigureOut">
               <a:rPr lang="en-GB" smtClean="0"/>
-              <a:t>02/11/2021</a:t>
+              <a:t>08/11/2021</a:t>
             </a:fld>
             <a:endParaRPr lang="en-GB"/>
           </a:p>
@@ -17717,11 +17746,17 @@
           <p:cNvGraphicFramePr>
             <a:graphicFrameLocks noGrp="1"/>
           </p:cNvGraphicFramePr>
-          <p:nvPr/>
+          <p:nvPr>
+            <p:extLst>
+              <p:ext uri="{D42A27DB-BD31-4B8C-83A1-F6EECF244321}">
+                <p14:modId xmlns:p14="http://schemas.microsoft.com/office/powerpoint/2010/main" val="3551560020"/>
+              </p:ext>
+            </p:extLst>
+          </p:nvPr>
         </p:nvGraphicFramePr>
         <p:xfrm>
           <a:off x="965790" y="1260825"/>
-          <a:ext cx="10857615" cy="4881880"/>
+          <a:ext cx="10857615" cy="4638040"/>
         </p:xfrm>
         <a:graphic>
           <a:graphicData uri="http://schemas.openxmlformats.org/drawingml/2006/table">
@@ -17814,18 +17849,10 @@
                     </a:p>
                     <a:p>
                       <a:r>
-                        <a:rPr lang="es-ES" sz="1600" dirty="0">
-                          <a:highlight>
-                            <a:srgbClr val="FFFF00"/>
-                          </a:highlight>
-                        </a:rPr>
-                        <a:t>(FECHAS Y HORARIOS)</a:t>
+                        <a:rPr lang="es-ES" sz="1600" dirty="0"/>
+                        <a:t>2021/11/09</a:t>
                       </a:r>
-                      <a:endParaRPr lang="en-GB" sz="1600" dirty="0">
-                        <a:highlight>
-                          <a:srgbClr val="FFFF00"/>
-                        </a:highlight>
-                      </a:endParaRPr>
+                      <a:endParaRPr lang="en-GB" sz="1600" dirty="0"/>
                     </a:p>
                   </a:txBody>
                   <a:tcPr/>
@@ -18029,36 +18056,11 @@
                       </a:r>
                     </a:p>
                     <a:p>
-                      <a:pPr marL="0" marR="0" lvl="0" indent="0" algn="l" defTabSz="914400" rtl="0" eaLnBrk="1" fontAlgn="auto" latinLnBrk="0" hangingPunct="1">
-                        <a:lnSpc>
-                          <a:spcPct val="100000"/>
-                        </a:lnSpc>
-                        <a:spcBef>
-                          <a:spcPts val="0"/>
-                        </a:spcBef>
-                        <a:spcAft>
-                          <a:spcPts val="0"/>
-                        </a:spcAft>
-                        <a:buClrTx/>
-                        <a:buSzTx/>
-                        <a:buFontTx/>
-                        <a:buNone/>
-                        <a:tabLst/>
-                        <a:defRPr/>
-                      </a:pPr>
                       <a:r>
-                        <a:rPr lang="es-ES" sz="1600" dirty="0">
-                          <a:highlight>
-                            <a:srgbClr val="FFFF00"/>
-                          </a:highlight>
-                        </a:rPr>
-                        <a:t>(FECHAS Y HORARIOS)</a:t>
+                        <a:rPr lang="es-ES" sz="1600" dirty="0"/>
+                        <a:t>2021/11/16</a:t>
                       </a:r>
-                      <a:endParaRPr lang="en-GB" sz="1600" dirty="0">
-                        <a:highlight>
-                          <a:srgbClr val="FFFF00"/>
-                        </a:highlight>
-                      </a:endParaRPr>
+                      <a:endParaRPr lang="en-GB" sz="1600" dirty="0"/>
                     </a:p>
                   </a:txBody>
                   <a:tcPr/>
@@ -18187,36 +18189,11 @@
                       </a:r>
                     </a:p>
                     <a:p>
-                      <a:pPr marL="0" marR="0" lvl="0" indent="0" algn="l" defTabSz="914400" rtl="0" eaLnBrk="1" fontAlgn="auto" latinLnBrk="0" hangingPunct="1">
-                        <a:lnSpc>
-                          <a:spcPct val="100000"/>
-                        </a:lnSpc>
-                        <a:spcBef>
-                          <a:spcPts val="0"/>
-                        </a:spcBef>
-                        <a:spcAft>
-                          <a:spcPts val="0"/>
-                        </a:spcAft>
-                        <a:buClrTx/>
-                        <a:buSzTx/>
-                        <a:buFontTx/>
-                        <a:buNone/>
-                        <a:tabLst/>
-                        <a:defRPr/>
-                      </a:pPr>
                       <a:r>
-                        <a:rPr lang="es-ES" sz="1600" dirty="0">
-                          <a:highlight>
-                            <a:srgbClr val="FFFF00"/>
-                          </a:highlight>
-                        </a:rPr>
-                        <a:t>(FECHAS Y HORARIOS)</a:t>
+                        <a:rPr lang="es-ES" sz="1600" dirty="0"/>
+                        <a:t>2021/11/23</a:t>
                       </a:r>
-                      <a:endParaRPr lang="en-GB" sz="1600" dirty="0">
-                        <a:highlight>
-                          <a:srgbClr val="FFFF00"/>
-                        </a:highlight>
-                      </a:endParaRPr>
+                      <a:endParaRPr lang="en-GB" sz="1600" dirty="0"/>
                     </a:p>
                   </a:txBody>
                   <a:tcPr/>
@@ -18374,13 +18351,11 @@
                     <a:lstStyle/>
                     <a:p>
                       <a:r>
-                        <a:rPr lang="es-ES" sz="1600" dirty="0">
-                          <a:highlight>
-                            <a:srgbClr val="FFFF00"/>
-                          </a:highlight>
-                        </a:rPr>
-                        <a:t>CONTENIDO</a:t>
+                        <a:rPr lang="es-ES" sz="1600" dirty="0"/>
+                        <a:t>Análisis de cargas térmicas de un edificio</a:t>
                       </a:r>
+                    </a:p>
+                    <a:p>
                       <a:endParaRPr lang="en-GB" sz="1600" dirty="0">
                         <a:highlight>
                           <a:srgbClr val="FFFF00"/>
@@ -18426,18 +18401,10 @@
                         <a:defRPr/>
                       </a:pPr>
                       <a:r>
-                        <a:rPr lang="es-ES" sz="1600" dirty="0">
-                          <a:highlight>
-                            <a:srgbClr val="FFFF00"/>
-                          </a:highlight>
-                        </a:rPr>
-                        <a:t>(FECHAS Y HORARIOS)</a:t>
+                        <a:rPr lang="es-ES" sz="1600" dirty="0"/>
+                        <a:t>2021/11/30</a:t>
                       </a:r>
-                      <a:endParaRPr lang="en-GB" sz="1600" dirty="0">
-                        <a:highlight>
-                          <a:srgbClr val="FFFF00"/>
-                        </a:highlight>
-                      </a:endParaRPr>
+                      <a:endParaRPr lang="en-GB" sz="1600" dirty="0"/>
                     </a:p>
                   </a:txBody>
                   <a:tcPr/>
